--- a/flowchart-v1.pptx
+++ b/flowchart-v1.pptx
@@ -104,6 +104,11 @@
       </a:defRPr>
     </a:lvl9pPr>
   </p:defaultTextStyle>
+  <p:extLst>
+    <p:ext uri="{EFAFB233-063F-42B5-8137-9DF3F51BA10A}">
+      <p15:sldGuideLst xmlns:p15="http://schemas.microsoft.com/office/powerpoint/2012/main"/>
+    </p:ext>
+  </p:extLst>
 </p:presentation>
 </file>
 
@@ -3321,6 +3326,38 @@
           <a:chExt cx="0" cy="0"/>
         </a:xfrm>
       </p:grpSpPr>
+      <p:pic>
+        <p:nvPicPr>
+          <p:cNvPr id="3" name="Picture 2" descr="A close - up of a map&#10;&#10;Description automatically generated with medium confidence">
+            <a:extLst>
+              <a:ext uri="{FF2B5EF4-FFF2-40B4-BE49-F238E27FC236}">
+                <a16:creationId xmlns:a16="http://schemas.microsoft.com/office/drawing/2014/main" id="{CD1FB4FF-ABE2-DE4F-8294-E6F48A95A2D2}"/>
+              </a:ext>
+            </a:extLst>
+          </p:cNvPr>
+          <p:cNvPicPr>
+            <a:picLocks noChangeAspect="1"/>
+          </p:cNvPicPr>
+          <p:nvPr/>
+        </p:nvPicPr>
+        <p:blipFill>
+          <a:blip r:embed="rId2">
+            <a:alphaModFix amt="20000"/>
+          </a:blip>
+          <a:stretch>
+            <a:fillRect/>
+          </a:stretch>
+        </p:blipFill>
+        <p:spPr>
+          <a:xfrm>
+            <a:off x="-1" y="-936051"/>
+            <a:ext cx="12223557" cy="8171737"/>
+          </a:xfrm>
+          <a:prstGeom prst="rect">
+            <a:avLst/>
+          </a:prstGeom>
+        </p:spPr>
+      </p:pic>
       <p:sp>
         <p:nvSpPr>
           <p:cNvPr id="5" name="Oval 4">
